--- a/Diapositivas/Collapse Os-Z80.pptx
+++ b/Diapositivas/Collapse Os-Z80.pptx
@@ -15,9 +15,10 @@
     <p:sldId id="263" r:id="rId9"/>
     <p:sldId id="264" r:id="rId10"/>
     <p:sldId id="265" r:id="rId11"/>
-    <p:sldId id="266" r:id="rId12"/>
-    <p:sldId id="267" r:id="rId13"/>
-    <p:sldId id="268" r:id="rId14"/>
+    <p:sldId id="269" r:id="rId12"/>
+    <p:sldId id="266" r:id="rId13"/>
+    <p:sldId id="267" r:id="rId14"/>
+    <p:sldId id="268" r:id="rId15"/>
   </p:sldIdLst>
   <p:sldSz cx="12192000" cy="6858000"/>
   <p:notesSz cx="6858000" cy="9144000"/>
@@ -292,7 +293,7 @@
           <a:p>
             <a:fld id="{3019C226-E6F6-43A6-8A90-9E45BAAF275B}" type="datetimeFigureOut">
               <a:rPr lang="es-EC" smtClean="0"/>
-              <a:t>03/06/2020</a:t>
+              <a:t>04/06/2020</a:t>
             </a:fld>
             <a:endParaRPr lang="es-EC"/>
           </a:p>
@@ -520,7 +521,7 @@
           <a:p>
             <a:fld id="{3019C226-E6F6-43A6-8A90-9E45BAAF275B}" type="datetimeFigureOut">
               <a:rPr lang="es-EC" smtClean="0"/>
-              <a:t>03/06/2020</a:t>
+              <a:t>04/06/2020</a:t>
             </a:fld>
             <a:endParaRPr lang="es-EC"/>
           </a:p>
@@ -700,7 +701,7 @@
           <a:p>
             <a:fld id="{3019C226-E6F6-43A6-8A90-9E45BAAF275B}" type="datetimeFigureOut">
               <a:rPr lang="es-EC" smtClean="0"/>
-              <a:t>03/06/2020</a:t>
+              <a:t>04/06/2020</a:t>
             </a:fld>
             <a:endParaRPr lang="es-EC"/>
           </a:p>
@@ -870,7 +871,7 @@
           <a:p>
             <a:fld id="{3019C226-E6F6-43A6-8A90-9E45BAAF275B}" type="datetimeFigureOut">
               <a:rPr lang="es-EC" smtClean="0"/>
-              <a:t>03/06/2020</a:t>
+              <a:t>04/06/2020</a:t>
             </a:fld>
             <a:endParaRPr lang="es-EC"/>
           </a:p>
@@ -1124,7 +1125,7 @@
           <a:p>
             <a:fld id="{3019C226-E6F6-43A6-8A90-9E45BAAF275B}" type="datetimeFigureOut">
               <a:rPr lang="es-EC" smtClean="0"/>
-              <a:t>03/06/2020</a:t>
+              <a:t>04/06/2020</a:t>
             </a:fld>
             <a:endParaRPr lang="es-EC"/>
           </a:p>
@@ -1450,7 +1451,7 @@
           <a:p>
             <a:fld id="{3019C226-E6F6-43A6-8A90-9E45BAAF275B}" type="datetimeFigureOut">
               <a:rPr lang="es-EC" smtClean="0"/>
-              <a:t>03/06/2020</a:t>
+              <a:t>04/06/2020</a:t>
             </a:fld>
             <a:endParaRPr lang="es-EC"/>
           </a:p>
@@ -1901,7 +1902,7 @@
           <a:p>
             <a:fld id="{3019C226-E6F6-43A6-8A90-9E45BAAF275B}" type="datetimeFigureOut">
               <a:rPr lang="es-EC" smtClean="0"/>
-              <a:t>03/06/2020</a:t>
+              <a:t>04/06/2020</a:t>
             </a:fld>
             <a:endParaRPr lang="es-EC"/>
           </a:p>
@@ -2019,7 +2020,7 @@
           <a:p>
             <a:fld id="{3019C226-E6F6-43A6-8A90-9E45BAAF275B}" type="datetimeFigureOut">
               <a:rPr lang="es-EC" smtClean="0"/>
-              <a:t>03/06/2020</a:t>
+              <a:t>04/06/2020</a:t>
             </a:fld>
             <a:endParaRPr lang="es-EC"/>
           </a:p>
@@ -2114,7 +2115,7 @@
           <a:p>
             <a:fld id="{3019C226-E6F6-43A6-8A90-9E45BAAF275B}" type="datetimeFigureOut">
               <a:rPr lang="es-EC" smtClean="0"/>
-              <a:t>03/06/2020</a:t>
+              <a:t>04/06/2020</a:t>
             </a:fld>
             <a:endParaRPr lang="es-EC"/>
           </a:p>
@@ -2401,7 +2402,7 @@
           <a:p>
             <a:fld id="{3019C226-E6F6-43A6-8A90-9E45BAAF275B}" type="datetimeFigureOut">
               <a:rPr lang="es-EC" smtClean="0"/>
-              <a:t>03/06/2020</a:t>
+              <a:t>04/06/2020</a:t>
             </a:fld>
             <a:endParaRPr lang="es-EC"/>
           </a:p>
@@ -2723,7 +2724,7 @@
           <a:p>
             <a:fld id="{3019C226-E6F6-43A6-8A90-9E45BAAF275B}" type="datetimeFigureOut">
               <a:rPr lang="es-EC" smtClean="0"/>
-              <a:t>03/06/2020</a:t>
+              <a:t>04/06/2020</a:t>
             </a:fld>
             <a:endParaRPr lang="es-EC"/>
           </a:p>
@@ -2977,7 +2978,7 @@
           <a:p>
             <a:fld id="{3019C226-E6F6-43A6-8A90-9E45BAAF275B}" type="datetimeFigureOut">
               <a:rPr lang="es-EC" smtClean="0"/>
-              <a:t>03/06/2020</a:t>
+              <a:t>04/06/2020</a:t>
             </a:fld>
             <a:endParaRPr lang="es-EC"/>
           </a:p>
@@ -3465,40 +3466,42 @@
           <a:chExt cx="0" cy="0"/>
         </a:xfrm>
       </p:grpSpPr>
-      <p:sp>
-        <p:nvSpPr>
-          <p:cNvPr id="2" name="Título 1">
+      <p:pic>
+        <p:nvPicPr>
+          <p:cNvPr id="4" name="Imagen 3">
             <a:extLst>
               <a:ext uri="{FF2B5EF4-FFF2-40B4-BE49-F238E27FC236}">
-                <a16:creationId xmlns:a16="http://schemas.microsoft.com/office/drawing/2014/main" id="{CDD0F4DE-CAC3-4054-B11D-A200E27570D3}"/>
+                <a16:creationId xmlns:a16="http://schemas.microsoft.com/office/drawing/2014/main" id="{40C94863-77F4-4832-A044-1A016F9E5CE4}"/>
               </a:ext>
             </a:extLst>
           </p:cNvPr>
-          <p:cNvSpPr>
-            <a:spLocks noGrp="1"/>
-          </p:cNvSpPr>
-          <p:nvPr>
-            <p:ph type="ctrTitle"/>
-          </p:nvPr>
-        </p:nvSpPr>
+          <p:cNvPicPr>
+            <a:picLocks noChangeAspect="1"/>
+          </p:cNvPicPr>
+          <p:nvPr/>
+        </p:nvPicPr>
+        <p:blipFill>
+          <a:blip r:embed="rId2">
+            <a:extLst>
+              <a:ext uri="{28A0092B-C50C-407E-A947-70E740481C1C}">
+                <a14:useLocalDpi xmlns:a14="http://schemas.microsoft.com/office/drawing/2010/main" val="0"/>
+              </a:ext>
+            </a:extLst>
+          </a:blip>
+          <a:stretch>
+            <a:fillRect/>
+          </a:stretch>
+        </p:blipFill>
         <p:spPr>
           <a:xfrm>
-            <a:off x="1261872" y="1580587"/>
-            <a:ext cx="9697676" cy="2328805"/>
+            <a:off x="0" y="-36166"/>
+            <a:ext cx="12192000" cy="6930331"/>
           </a:xfrm>
+          <a:prstGeom prst="rect">
+            <a:avLst/>
+          </a:prstGeom>
         </p:spPr>
-        <p:txBody>
-          <a:bodyPr/>
-          <a:lstStyle/>
-          <a:p>
-            <a:pPr algn="ctr"/>
-            <a:r>
-              <a:rPr lang="es-EC" dirty="0"/>
-              <a:t>Collapse Os</a:t>
-            </a:r>
-          </a:p>
-        </p:txBody>
-      </p:sp>
+      </p:pic>
     </p:spTree>
     <p:extLst>
       <p:ext uri="{BB962C8B-B14F-4D97-AF65-F5344CB8AC3E}">
@@ -3509,92 +3512,6 @@
   <p:clrMapOvr>
     <a:masterClrMapping/>
   </p:clrMapOvr>
-  <p:timing>
-    <p:tnLst>
-      <p:par>
-        <p:cTn id="1" dur="indefinite" restart="never" nodeType="tmRoot">
-          <p:childTnLst>
-            <p:seq concurrent="1" nextAc="seek">
-              <p:cTn id="2" dur="indefinite" nodeType="mainSeq">
-                <p:childTnLst>
-                  <p:par>
-                    <p:cTn id="3" fill="hold">
-                      <p:stCondLst>
-                        <p:cond delay="indefinite"/>
-                      </p:stCondLst>
-                      <p:childTnLst>
-                        <p:par>
-                          <p:cTn id="4" fill="hold">
-                            <p:stCondLst>
-                              <p:cond delay="0"/>
-                            </p:stCondLst>
-                            <p:childTnLst>
-                              <p:par>
-                                <p:cTn id="5" presetID="14" presetClass="entr" presetSubtype="10" fill="hold" grpId="0" nodeType="clickEffect">
-                                  <p:stCondLst>
-                                    <p:cond delay="0"/>
-                                  </p:stCondLst>
-                                  <p:childTnLst>
-                                    <p:set>
-                                      <p:cBhvr>
-                                        <p:cTn id="6" dur="1" fill="hold">
-                                          <p:stCondLst>
-                                            <p:cond delay="0"/>
-                                          </p:stCondLst>
-                                        </p:cTn>
-                                        <p:tgtEl>
-                                          <p:spTgt spid="2"/>
-                                        </p:tgtEl>
-                                        <p:attrNameLst>
-                                          <p:attrName>style.visibility</p:attrName>
-                                        </p:attrNameLst>
-                                      </p:cBhvr>
-                                      <p:to>
-                                        <p:strVal val="visible"/>
-                                      </p:to>
-                                    </p:set>
-                                    <p:animEffect transition="in" filter="randombar(horizontal)">
-                                      <p:cBhvr>
-                                        <p:cTn id="7" dur="1500"/>
-                                        <p:tgtEl>
-                                          <p:spTgt spid="2"/>
-                                        </p:tgtEl>
-                                      </p:cBhvr>
-                                    </p:animEffect>
-                                  </p:childTnLst>
-                                </p:cTn>
-                              </p:par>
-                            </p:childTnLst>
-                          </p:cTn>
-                        </p:par>
-                      </p:childTnLst>
-                    </p:cTn>
-                  </p:par>
-                </p:childTnLst>
-              </p:cTn>
-              <p:prevCondLst>
-                <p:cond evt="onPrev" delay="0">
-                  <p:tgtEl>
-                    <p:sldTgt/>
-                  </p:tgtEl>
-                </p:cond>
-              </p:prevCondLst>
-              <p:nextCondLst>
-                <p:cond evt="onNext" delay="0">
-                  <p:tgtEl>
-                    <p:sldTgt/>
-                  </p:tgtEl>
-                </p:cond>
-              </p:nextCondLst>
-            </p:seq>
-          </p:childTnLst>
-        </p:cTn>
-      </p:par>
-    </p:tnLst>
-    <p:bldLst>
-      <p:bldP spid="2" grpId="0"/>
-    </p:bldLst>
-  </p:timing>
 </p:sld>
 </file>
 
@@ -4839,6 +4756,85 @@
 </file>
 
 <file path=ppt/slides/slide11.xml><?xml version="1.0" encoding="utf-8"?>
+<p:sld xmlns:a="http://schemas.openxmlformats.org/drawingml/2006/main" xmlns:r="http://schemas.openxmlformats.org/officeDocument/2006/relationships" xmlns:p="http://schemas.openxmlformats.org/presentationml/2006/main">
+  <p:cSld>
+    <p:spTree>
+      <p:nvGrpSpPr>
+        <p:cNvPr id="1" name=""/>
+        <p:cNvGrpSpPr/>
+        <p:nvPr/>
+      </p:nvGrpSpPr>
+      <p:grpSpPr>
+        <a:xfrm>
+          <a:off x="0" y="0"/>
+          <a:ext cx="0" cy="0"/>
+          <a:chOff x="0" y="0"/>
+          <a:chExt cx="0" cy="0"/>
+        </a:xfrm>
+      </p:grpSpPr>
+      <p:pic>
+        <p:nvPicPr>
+          <p:cNvPr id="3" name="Imagen 2">
+            <a:extLst>
+              <a:ext uri="{FF2B5EF4-FFF2-40B4-BE49-F238E27FC236}">
+                <a16:creationId xmlns:a16="http://schemas.microsoft.com/office/drawing/2014/main" id="{4F419E25-1774-4CFC-9613-539119C72534}"/>
+              </a:ext>
+            </a:extLst>
+          </p:cNvPr>
+          <p:cNvPicPr>
+            <a:picLocks noChangeAspect="1"/>
+          </p:cNvPicPr>
+          <p:nvPr/>
+        </p:nvPicPr>
+        <p:blipFill rotWithShape="1">
+          <a:blip r:embed="rId2">
+            <a:extLst>
+              <a:ext uri="{28A0092B-C50C-407E-A947-70E740481C1C}">
+                <a14:useLocalDpi xmlns:a14="http://schemas.microsoft.com/office/drawing/2010/main" val="0"/>
+              </a:ext>
+            </a:extLst>
+          </a:blip>
+          <a:srcRect l="2606" t="1868" r="2153" b="5281"/>
+          <a:stretch/>
+        </p:blipFill>
+        <p:spPr>
+          <a:xfrm>
+            <a:off x="1775792" y="123377"/>
+            <a:ext cx="7964556" cy="6734623"/>
+          </a:xfrm>
+          <a:prstGeom prst="rect">
+            <a:avLst/>
+          </a:prstGeom>
+          <a:ln w="38100" cap="sq">
+            <a:solidFill>
+              <a:srgbClr val="000000"/>
+            </a:solidFill>
+            <a:prstDash val="solid"/>
+            <a:miter lim="800000"/>
+          </a:ln>
+          <a:effectLst>
+            <a:outerShdw blurRad="50800" dist="38100" dir="2700000" algn="tl" rotWithShape="0">
+              <a:srgbClr val="000000">
+                <a:alpha val="43000"/>
+              </a:srgbClr>
+            </a:outerShdw>
+          </a:effectLst>
+        </p:spPr>
+      </p:pic>
+    </p:spTree>
+    <p:extLst>
+      <p:ext uri="{BB962C8B-B14F-4D97-AF65-F5344CB8AC3E}">
+        <p14:creationId xmlns:p14="http://schemas.microsoft.com/office/powerpoint/2010/main" val="4193347959"/>
+      </p:ext>
+    </p:extLst>
+  </p:cSld>
+  <p:clrMapOvr>
+    <a:masterClrMapping/>
+  </p:clrMapOvr>
+</p:sld>
+</file>
+
+<file path=ppt/slides/slide12.xml><?xml version="1.0" encoding="utf-8"?>
 <p:sld xmlns:a="http://schemas.openxmlformats.org/drawingml/2006/main" xmlns:r="http://schemas.openxmlformats.org/officeDocument/2006/relationships" xmlns:p="http://schemas.openxmlformats.org/presentationml/2006/main">
   <p:cSld>
     <p:spTree>
@@ -4964,7 +4960,7 @@
 </p:sld>
 </file>
 
-<file path=ppt/slides/slide12.xml><?xml version="1.0" encoding="utf-8"?>
+<file path=ppt/slides/slide13.xml><?xml version="1.0" encoding="utf-8"?>
 <p:sld xmlns:a="http://schemas.openxmlformats.org/drawingml/2006/main" xmlns:r="http://schemas.openxmlformats.org/officeDocument/2006/relationships" xmlns:p="http://schemas.openxmlformats.org/presentationml/2006/main">
   <p:cSld>
     <p:spTree>
@@ -5087,7 +5083,7 @@
 </p:sld>
 </file>
 
-<file path=ppt/slides/slide13.xml><?xml version="1.0" encoding="utf-8"?>
+<file path=ppt/slides/slide14.xml><?xml version="1.0" encoding="utf-8"?>
 <p:sld xmlns:a="http://schemas.openxmlformats.org/drawingml/2006/main" xmlns:r="http://schemas.openxmlformats.org/officeDocument/2006/relationships" xmlns:p="http://schemas.openxmlformats.org/presentationml/2006/main">
   <p:cSld>
     <p:spTree>
